--- a/powerpoint/content-security-policy.pptx
+++ b/powerpoint/content-security-policy.pptx
@@ -24,14 +24,16 @@
     <p:sldId id="272" r:id="rId18"/>
     <p:sldId id="273" r:id="rId19"/>
     <p:sldId id="274" r:id="rId20"/>
-    <p:sldId id="275" r:id="rId21"/>
-    <p:sldId id="276" r:id="rId22"/>
-    <p:sldId id="277" r:id="rId23"/>
-    <p:sldId id="278" r:id="rId24"/>
-    <p:sldId id="279" r:id="rId25"/>
-    <p:sldId id="280" r:id="rId26"/>
-    <p:sldId id="281" r:id="rId27"/>
-    <p:sldId id="282" r:id="rId28"/>
+    <p:sldId id="284" r:id="rId21"/>
+    <p:sldId id="275" r:id="rId22"/>
+    <p:sldId id="276" r:id="rId23"/>
+    <p:sldId id="277" r:id="rId24"/>
+    <p:sldId id="278" r:id="rId25"/>
+    <p:sldId id="279" r:id="rId26"/>
+    <p:sldId id="285" r:id="rId27"/>
+    <p:sldId id="280" r:id="rId28"/>
+    <p:sldId id="281" r:id="rId29"/>
+    <p:sldId id="282" r:id="rId30"/>
   </p:sldIdLst>
   <p:sldSz cx="12192000" cy="6858000"/>
   <p:notesSz cx="6858000" cy="9144000"/>
@@ -367,7 +369,7 @@
           <a:p>
             <a:fld id="{48A87A34-81AB-432B-8DAE-1953F412C126}" type="datetimeFigureOut">
               <a:rPr lang="en-US" smtClean="0"/>
-              <a:t>9/23/2017</a:t>
+              <a:t>9/24/2017</a:t>
             </a:fld>
             <a:endParaRPr lang="en-US" dirty="0"/>
           </a:p>
@@ -701,7 +703,7 @@
           <a:p>
             <a:fld id="{48A87A34-81AB-432B-8DAE-1953F412C126}" type="datetimeFigureOut">
               <a:rPr lang="en-US" smtClean="0"/>
-              <a:t>9/23/2017</a:t>
+              <a:t>9/24/2017</a:t>
             </a:fld>
             <a:endParaRPr lang="en-US" dirty="0"/>
           </a:p>
@@ -979,7 +981,7 @@
           <a:p>
             <a:fld id="{48A87A34-81AB-432B-8DAE-1953F412C126}" type="datetimeFigureOut">
               <a:rPr lang="en-US" smtClean="0"/>
-              <a:t>9/23/2017</a:t>
+              <a:t>9/24/2017</a:t>
             </a:fld>
             <a:endParaRPr lang="en-US" dirty="0"/>
           </a:p>
@@ -1547,7 +1549,7 @@
           <a:p>
             <a:fld id="{48A87A34-81AB-432B-8DAE-1953F412C126}" type="datetimeFigureOut">
               <a:rPr lang="en-US" smtClean="0"/>
-              <a:t>9/23/2017</a:t>
+              <a:t>9/24/2017</a:t>
             </a:fld>
             <a:endParaRPr lang="en-US" dirty="0"/>
           </a:p>
@@ -1825,7 +1827,7 @@
           <a:p>
             <a:fld id="{48A87A34-81AB-432B-8DAE-1953F412C126}" type="datetimeFigureOut">
               <a:rPr lang="en-US" smtClean="0"/>
-              <a:t>9/23/2017</a:t>
+              <a:t>9/24/2017</a:t>
             </a:fld>
             <a:endParaRPr lang="en-US" dirty="0"/>
           </a:p>
@@ -2388,7 +2390,7 @@
             <a:fld id="{48A87A34-81AB-432B-8DAE-1953F412C126}" type="datetimeFigureOut">
               <a:rPr lang="en-US" smtClean="0"/>
               <a:pPr/>
-              <a:t>9/23/2017</a:t>
+              <a:t>9/24/2017</a:t>
             </a:fld>
             <a:endParaRPr lang="en-US" dirty="0"/>
           </a:p>
@@ -2717,7 +2719,7 @@
             <a:fld id="{48A87A34-81AB-432B-8DAE-1953F412C126}" type="datetimeFigureOut">
               <a:rPr lang="en-US" smtClean="0"/>
               <a:pPr/>
-              <a:t>9/23/2017</a:t>
+              <a:t>9/24/2017</a:t>
             </a:fld>
             <a:endParaRPr lang="en-US" dirty="0"/>
           </a:p>
@@ -2895,7 +2897,7 @@
           <a:p>
             <a:fld id="{48A87A34-81AB-432B-8DAE-1953F412C126}" type="datetimeFigureOut">
               <a:rPr lang="en-US" smtClean="0"/>
-              <a:t>9/23/2017</a:t>
+              <a:t>9/24/2017</a:t>
             </a:fld>
             <a:endParaRPr lang="en-US" dirty="0"/>
           </a:p>
@@ -3133,7 +3135,7 @@
           <a:p>
             <a:fld id="{48A87A34-81AB-432B-8DAE-1953F412C126}" type="datetimeFigureOut">
               <a:rPr lang="en-US" smtClean="0"/>
-              <a:t>9/23/2017</a:t>
+              <a:t>9/24/2017</a:t>
             </a:fld>
             <a:endParaRPr lang="en-US" dirty="0"/>
           </a:p>
@@ -3333,7 +3335,7 @@
           <a:p>
             <a:fld id="{48A87A34-81AB-432B-8DAE-1953F412C126}" type="datetimeFigureOut">
               <a:rPr lang="en-US" smtClean="0"/>
-              <a:t>9/23/2017</a:t>
+              <a:t>9/24/2017</a:t>
             </a:fld>
             <a:endParaRPr lang="en-US" dirty="0"/>
           </a:p>
@@ -3609,7 +3611,7 @@
           <a:p>
             <a:fld id="{48A87A34-81AB-432B-8DAE-1953F412C126}" type="datetimeFigureOut">
               <a:rPr lang="en-US" smtClean="0"/>
-              <a:t>9/23/2017</a:t>
+              <a:t>9/24/2017</a:t>
             </a:fld>
             <a:endParaRPr lang="en-US" dirty="0"/>
           </a:p>
@@ -3875,7 +3877,7 @@
           <a:p>
             <a:fld id="{48A87A34-81AB-432B-8DAE-1953F412C126}" type="datetimeFigureOut">
               <a:rPr lang="en-US" smtClean="0"/>
-              <a:t>9/23/2017</a:t>
+              <a:t>9/24/2017</a:t>
             </a:fld>
             <a:endParaRPr lang="en-US" dirty="0"/>
           </a:p>
@@ -4249,7 +4251,7 @@
           <a:p>
             <a:fld id="{48A87A34-81AB-432B-8DAE-1953F412C126}" type="datetimeFigureOut">
               <a:rPr lang="en-US" smtClean="0"/>
-              <a:t>9/23/2017</a:t>
+              <a:t>9/24/2017</a:t>
             </a:fld>
             <a:endParaRPr lang="en-US" dirty="0"/>
           </a:p>
@@ -4397,7 +4399,7 @@
           <a:p>
             <a:fld id="{48A87A34-81AB-432B-8DAE-1953F412C126}" type="datetimeFigureOut">
               <a:rPr lang="en-US" smtClean="0"/>
-              <a:t>9/23/2017</a:t>
+              <a:t>9/24/2017</a:t>
             </a:fld>
             <a:endParaRPr lang="en-US" dirty="0"/>
           </a:p>
@@ -4522,7 +4524,7 @@
           <a:p>
             <a:fld id="{48A87A34-81AB-432B-8DAE-1953F412C126}" type="datetimeFigureOut">
               <a:rPr lang="en-US" smtClean="0"/>
-              <a:t>9/23/2017</a:t>
+              <a:t>9/24/2017</a:t>
             </a:fld>
             <a:endParaRPr lang="en-US" dirty="0"/>
           </a:p>
@@ -4807,7 +4809,7 @@
           <a:p>
             <a:fld id="{48A87A34-81AB-432B-8DAE-1953F412C126}" type="datetimeFigureOut">
               <a:rPr lang="en-US" smtClean="0"/>
-              <a:t>9/23/2017</a:t>
+              <a:t>9/24/2017</a:t>
             </a:fld>
             <a:endParaRPr lang="en-US" dirty="0"/>
           </a:p>
@@ -5131,7 +5133,7 @@
           <a:p>
             <a:fld id="{48A87A34-81AB-432B-8DAE-1953F412C126}" type="datetimeFigureOut">
               <a:rPr lang="en-US" smtClean="0"/>
-              <a:t>9/23/2017</a:t>
+              <a:t>9/24/2017</a:t>
             </a:fld>
             <a:endParaRPr lang="en-US" dirty="0"/>
           </a:p>
@@ -5346,7 +5348,7 @@
             <a:fld id="{48A87A34-81AB-432B-8DAE-1953F412C126}" type="datetimeFigureOut">
               <a:rPr lang="en-US" smtClean="0"/>
               <a:pPr/>
-              <a:t>9/23/2017</a:t>
+              <a:t>9/24/2017</a:t>
             </a:fld>
             <a:endParaRPr lang="en-US" dirty="0"/>
           </a:p>
@@ -6800,7 +6802,7 @@
             </a:r>
             <a:r>
               <a:rPr lang="en-US" sz="2800" dirty="0"/>
-              <a:t>(string), and new Function(). They are also considered unsafe because untrusted user input could make it's way into them. They are blocked and blocked unless the 'unsafe-</a:t>
+              <a:t>(string), and new Function(). They are also considered unsafe because untrusted user input could make it's way into them. They are blocked unless the 'unsafe-</a:t>
             </a:r>
             <a:r>
               <a:rPr lang="en-US" sz="2800" dirty="0" err="1"/>
@@ -7121,7 +7123,6 @@
                         <a:rPr lang="en-US" dirty="0"/>
                         <a:t>Matches nothing, blocks use of the specified source</a:t>
                       </a:r>
-                      <a:endParaRPr lang="en-US" dirty="0"/>
                     </a:p>
                   </a:txBody>
                   <a:tcPr>
@@ -7336,7 +7337,6 @@
                         <a:rPr lang="en-US" dirty="0"/>
                         <a:t>Allows inline JS and CSS (unsafe)</a:t>
                       </a:r>
-                      <a:endParaRPr lang="en-US" dirty="0"/>
                     </a:p>
                   </a:txBody>
                   <a:tcPr>
@@ -7402,7 +7402,6 @@
                         <a:rPr lang="en-US" dirty="0"/>
                         <a:t>'</a:t>
                       </a:r>
-                      <a:endParaRPr lang="en-US" dirty="0"/>
                     </a:p>
                   </a:txBody>
                   <a:tcPr>
@@ -7453,7 +7452,6 @@
                         <a:rPr lang="en-US" dirty="0"/>
                         <a:t>Allows text to be evaluated as JS (unsafe)</a:t>
                       </a:r>
-                      <a:endParaRPr lang="en-US" dirty="0"/>
                     </a:p>
                   </a:txBody>
                   <a:tcPr>
@@ -7511,7 +7509,6 @@
                         <a:rPr lang="en-US" dirty="0"/>
                         <a:t>https:</a:t>
                       </a:r>
-                      <a:endParaRPr lang="en-US" dirty="0"/>
                     </a:p>
                   </a:txBody>
                   <a:tcPr>
@@ -7562,7 +7559,6 @@
                         <a:rPr lang="en-US" dirty="0"/>
                         <a:t>Restrict resources to https:</a:t>
                       </a:r>
-                      <a:endParaRPr lang="en-US" dirty="0"/>
                     </a:p>
                   </a:txBody>
                   <a:tcPr>
@@ -7620,7 +7616,6 @@
                         <a:rPr lang="en-US" dirty="0"/>
                         <a:t>nonce-</a:t>
                       </a:r>
-                      <a:endParaRPr lang="en-US" dirty="0"/>
                     </a:p>
                   </a:txBody>
                   <a:tcPr>
@@ -7671,7 +7666,6 @@
                         <a:rPr lang="en-US" dirty="0"/>
                         <a:t>script or style tags can be evaluated if their nonce attribute matches the header value &lt;script nonce="f8uz0jlZq41ljc"&gt;alert('Hello World!')&lt;/script&gt;</a:t>
                       </a:r>
-                      <a:endParaRPr lang="en-US" dirty="0"/>
                     </a:p>
                   </a:txBody>
                   <a:tcPr>
@@ -7729,7 +7723,6 @@
                         <a:rPr lang="en-US" dirty="0"/>
                         <a:t>sha256-</a:t>
                       </a:r>
-                      <a:endParaRPr lang="en-US" dirty="0"/>
                     </a:p>
                   </a:txBody>
                   <a:tcPr>
@@ -7780,7 +7773,6 @@
                         <a:rPr lang="en-US" dirty="0"/>
                         <a:t>Allow a script or style to execute if it matches the specified sha256 hash.</a:t>
                       </a:r>
-                      <a:endParaRPr lang="en-US" dirty="0"/>
                     </a:p>
                   </a:txBody>
                   <a:tcPr>
@@ -7838,7 +7830,6 @@
                         <a:rPr lang="en-US" dirty="0"/>
                         <a:t>data:</a:t>
                       </a:r>
-                      <a:endParaRPr lang="en-US" dirty="0"/>
                     </a:p>
                   </a:txBody>
                   <a:tcPr>
@@ -10310,8 +10301,8 @@
         </p:nvSpPr>
         <p:spPr>
           <a:xfrm>
-            <a:off x="685801" y="609601"/>
-            <a:ext cx="10131425" cy="927100"/>
+            <a:off x="685801" y="1"/>
+            <a:ext cx="10131425" cy="781878"/>
           </a:xfrm>
         </p:spPr>
         <p:txBody>
@@ -10320,9 +10311,16 @@
           <a:p>
             <a:r>
               <a:rPr lang="en-US" dirty="0"/>
-              <a:t>Testing a policy with report-only mode</a:t>
-            </a:r>
-            <a:endParaRPr lang="en-US" dirty="0"/>
+              <a:t>What does a production </a:t>
+            </a:r>
+            <a:r>
+              <a:rPr lang="en-US" dirty="0" err="1"/>
+              <a:t>csp</a:t>
+            </a:r>
+            <a:r>
+              <a:rPr lang="en-US" dirty="0"/>
+              <a:t> look like?</a:t>
+            </a:r>
           </a:p>
         </p:txBody>
       </p:sp>
@@ -10338,13 +10336,13 @@
         </p:nvSpPr>
         <p:spPr>
           <a:xfrm>
-            <a:off x="685801" y="1536702"/>
-            <a:ext cx="10361610" cy="5079998"/>
+            <a:off x="685801" y="622852"/>
+            <a:ext cx="10131425" cy="6235147"/>
           </a:xfrm>
         </p:spPr>
         <p:txBody>
           <a:bodyPr>
-            <a:noAutofit/>
+            <a:normAutofit/>
           </a:bodyPr>
           <a:lstStyle/>
           <a:p>
@@ -10352,40 +10350,184 @@
               <a:buNone/>
             </a:pPr>
             <a:r>
-              <a:rPr lang="en-US" sz="2800" dirty="0"/>
-              <a:t>You may also supply a “Content-Security-Policy-Report-Only: &lt;policy&gt;” header, which will cause the browser to report on policy violations via the console as well as POST report violations to a report-</a:t>
-            </a:r>
-            <a:r>
-              <a:rPr lang="en-US" sz="2800" dirty="0" err="1"/>
+              <a:rPr lang="en-US" dirty="0"/>
+              <a:t>Let’s have a look at GitHub’s CSP</a:t>
+            </a:r>
+          </a:p>
+          <a:p>
+            <a:pPr marL="0" indent="0">
+              <a:buNone/>
+            </a:pPr>
+            <a:r>
+              <a:rPr lang="en-US" dirty="0"/>
+              <a:t>Content-Security-Policy: default-</a:t>
+            </a:r>
+            <a:r>
+              <a:rPr lang="en-US" dirty="0" err="1"/>
+              <a:t>src</a:t>
+            </a:r>
+            <a:r>
+              <a:rPr lang="en-US" dirty="0"/>
+              <a:t> 'none'; </a:t>
+            </a:r>
+          </a:p>
+          <a:p>
+            <a:pPr marL="0" indent="0">
+              <a:buNone/>
+            </a:pPr>
+            <a:r>
+              <a:rPr lang="en-US" dirty="0"/>
+              <a:t>base-</a:t>
+            </a:r>
+            <a:r>
+              <a:rPr lang="en-US" dirty="0" err="1"/>
               <a:t>uri</a:t>
             </a:r>
             <a:r>
-              <a:rPr lang="en-US" sz="2800" dirty="0"/>
-              <a:t> (if specified) without blocking resources from loading or executing.</a:t>
+              <a:rPr lang="en-US" dirty="0"/>
+              <a:t> 'self';</a:t>
             </a:r>
           </a:p>
           <a:p>
             <a:pPr marL="0" indent="0">
               <a:buNone/>
             </a:pPr>
-            <a:endParaRPr lang="en-US" sz="2800" dirty="0"/>
+            <a:r>
+              <a:rPr lang="en-US" dirty="0"/>
+              <a:t>child-</a:t>
+            </a:r>
+            <a:r>
+              <a:rPr lang="en-US" dirty="0" err="1"/>
+              <a:t>src</a:t>
+            </a:r>
+            <a:r>
+              <a:rPr lang="en-US" dirty="0"/>
+              <a:t> render.githubusercontent.com; </a:t>
+            </a:r>
           </a:p>
           <a:p>
             <a:pPr marL="0" indent="0">
               <a:buNone/>
             </a:pPr>
             <a:r>
-              <a:rPr lang="en-US" sz="2800" dirty="0"/>
-              <a:t>This feature can be used to help you fine-tune your policy. It can be used to test out new directives without making them part of the enforced policy, giving you time to address issues without breaking site functionality.</a:t>
-            </a:r>
-            <a:endParaRPr lang="en-US" sz="2800" dirty="0"/>
+              <a:rPr lang="en-US" dirty="0"/>
+              <a:t>connect-</a:t>
+            </a:r>
+            <a:r>
+              <a:rPr lang="en-US" dirty="0" err="1"/>
+              <a:t>src</a:t>
+            </a:r>
+            <a:r>
+              <a:rPr lang="en-US" dirty="0"/>
+              <a:t> 'self' uploads.github.com status.github.com collector.githubapp.com api.github.com www.google-analytics.com github-cloud.s3.amazonaws.com github-production-repository-file-5c1aeb.s3.amazonaws.com github-production-upload-manifest-file-7fdce7.s3.amazonaws.com github-production-user-asset-6210df.s3.amazonaws.com wss://live.github.com;</a:t>
+            </a:r>
+          </a:p>
+          <a:p>
+            <a:pPr marL="0" indent="0">
+              <a:buNone/>
+            </a:pPr>
+            <a:r>
+              <a:rPr lang="en-US" dirty="0"/>
+              <a:t>font-</a:t>
+            </a:r>
+            <a:r>
+              <a:rPr lang="en-US" dirty="0" err="1"/>
+              <a:t>src</a:t>
+            </a:r>
+            <a:r>
+              <a:rPr lang="en-US" dirty="0"/>
+              <a:t> assets-cdn.github.com; </a:t>
+            </a:r>
+          </a:p>
+          <a:p>
+            <a:pPr marL="0" indent="0">
+              <a:buNone/>
+            </a:pPr>
+            <a:r>
+              <a:rPr lang="en-US" dirty="0"/>
+              <a:t>form-action 'self' github.com gist.github.com; </a:t>
+            </a:r>
+          </a:p>
+          <a:p>
+            <a:pPr marL="0" indent="0">
+              <a:buNone/>
+            </a:pPr>
+            <a:r>
+              <a:rPr lang="en-US" dirty="0"/>
+              <a:t>frame-ancestors 'none';</a:t>
+            </a:r>
+          </a:p>
+          <a:p>
+            <a:pPr marL="0" indent="0">
+              <a:buNone/>
+            </a:pPr>
+            <a:r>
+              <a:rPr lang="en-US" dirty="0" err="1"/>
+              <a:t>img-src</a:t>
+            </a:r>
+            <a:r>
+              <a:rPr lang="en-US" dirty="0"/>
+              <a:t> 'self' data: assets-cdn.github.com identicons.github.com collector.githubapp.com github-cloud.s3.amazonaws.com *.githubusercontent.com;</a:t>
+            </a:r>
+          </a:p>
+          <a:p>
+            <a:pPr marL="0" indent="0">
+              <a:buNone/>
+            </a:pPr>
+            <a:r>
+              <a:rPr lang="en-US" dirty="0"/>
+              <a:t>media-</a:t>
+            </a:r>
+            <a:r>
+              <a:rPr lang="en-US" dirty="0" err="1"/>
+              <a:t>src</a:t>
+            </a:r>
+            <a:r>
+              <a:rPr lang="en-US" dirty="0"/>
+              <a:t> 'none'; </a:t>
+            </a:r>
+          </a:p>
+          <a:p>
+            <a:pPr marL="0" indent="0">
+              <a:buNone/>
+            </a:pPr>
+            <a:r>
+              <a:rPr lang="en-US" dirty="0"/>
+              <a:t>script-</a:t>
+            </a:r>
+            <a:r>
+              <a:rPr lang="en-US" dirty="0" err="1"/>
+              <a:t>src</a:t>
+            </a:r>
+            <a:r>
+              <a:rPr lang="en-US" dirty="0"/>
+              <a:t> assets-cdn.github.com; </a:t>
+            </a:r>
+          </a:p>
+          <a:p>
+            <a:pPr marL="0" indent="0">
+              <a:buNone/>
+            </a:pPr>
+            <a:r>
+              <a:rPr lang="en-US" dirty="0"/>
+              <a:t>style-</a:t>
+            </a:r>
+            <a:r>
+              <a:rPr lang="en-US" dirty="0" err="1"/>
+              <a:t>src</a:t>
+            </a:r>
+            <a:r>
+              <a:rPr lang="en-US" dirty="0"/>
+              <a:t> 'unsafe-inline' assets-cdn.github.com</a:t>
+            </a:r>
+            <a:endParaRPr lang="en-US" dirty="0"/>
           </a:p>
         </p:txBody>
       </p:sp>
     </p:spTree>
     <p:extLst>
       <p:ext uri="{BB962C8B-B14F-4D97-AF65-F5344CB8AC3E}">
-        <p14:creationId xmlns:p14="http://schemas.microsoft.com/office/powerpoint/2010/main" val="624333189"/>
+        <p14:creationId xmlns:p14="http://schemas.microsoft.com/office/powerpoint/2010/main" val="3949051311"/>
       </p:ext>
     </p:extLst>
   </p:cSld>
@@ -10424,29 +10566,18 @@
         </p:nvSpPr>
         <p:spPr>
           <a:xfrm>
-            <a:off x="292100" y="228600"/>
-            <a:ext cx="11544299" cy="1478570"/>
+            <a:off x="685801" y="609601"/>
+            <a:ext cx="10131425" cy="927100"/>
           </a:xfrm>
         </p:spPr>
         <p:txBody>
-          <a:bodyPr>
-            <a:normAutofit/>
-          </a:bodyPr>
+          <a:bodyPr/>
           <a:lstStyle/>
           <a:p>
             <a:r>
-              <a:rPr lang="en-US" sz="3200" dirty="0"/>
-              <a:t>Using the report-</a:t>
-            </a:r>
-            <a:r>
-              <a:rPr lang="en-US" sz="3200" dirty="0" err="1"/>
-              <a:t>uri</a:t>
-            </a:r>
-            <a:r>
-              <a:rPr lang="en-US" sz="3200" dirty="0"/>
-              <a:t> directive to collect policy violations</a:t>
-            </a:r>
-            <a:endParaRPr lang="en-US" sz="3200" dirty="0"/>
+              <a:rPr lang="en-US" dirty="0"/>
+              <a:t>Testing a policy with report-only mode</a:t>
+            </a:r>
           </a:p>
         </p:txBody>
       </p:sp>
@@ -10462,8 +10593,8 @@
         </p:nvSpPr>
         <p:spPr>
           <a:xfrm>
-            <a:off x="292100" y="1707170"/>
-            <a:ext cx="11544299" cy="4846030"/>
+            <a:off x="685801" y="1536702"/>
+            <a:ext cx="10361610" cy="5079998"/>
           </a:xfrm>
         </p:spPr>
         <p:txBody>
@@ -10477,7 +10608,7 @@
             </a:pPr>
             <a:r>
               <a:rPr lang="en-US" sz="2800" dirty="0"/>
-              <a:t>The report-</a:t>
+              <a:t>You may also supply a “Content-Security-Policy-Report-Only: &lt;policy&gt;” header, which will cause the browser to report on policy violations via the console as well as POST report violations to a report-</a:t>
             </a:r>
             <a:r>
               <a:rPr lang="en-US" sz="2800" dirty="0" err="1"/>
@@ -10485,7 +10616,7 @@
             </a:r>
             <a:r>
               <a:rPr lang="en-US" sz="2800" dirty="0"/>
-              <a:t> directive is extremely useful for collecting information on report violations. There may be resources that we missed or an attacker actively trying to exploit an XSS attack vector. Aside from logged violations in the console, without policy violation reporting, we are left in the dark as to which directives may be being violated.</a:t>
+              <a:t> (if specified) without blocking resources from loading or executing.</a:t>
             </a:r>
           </a:p>
           <a:p>
@@ -10500,24 +10631,15 @@
             </a:pPr>
             <a:r>
               <a:rPr lang="en-US" sz="2800" dirty="0"/>
-              <a:t>The report-</a:t>
-            </a:r>
-            <a:r>
-              <a:rPr lang="en-US" sz="2800" dirty="0" err="1"/>
-              <a:t>uri</a:t>
-            </a:r>
-            <a:r>
-              <a:rPr lang="en-US" sz="2800" dirty="0"/>
-              <a:t> directive is used to specify a URL to which the browser should POST a JSON formatted violation report in the event that it acts on the CSP.</a:t>
-            </a:r>
-            <a:endParaRPr lang="en-US" sz="2800" dirty="0"/>
+              <a:t>This feature can be used to help you fine-tune your policy. It can be used to test out new directives without making them part of the enforced policy, giving you time to address issues without breaking site functionality.</a:t>
+            </a:r>
           </a:p>
         </p:txBody>
       </p:sp>
     </p:spTree>
     <p:extLst>
       <p:ext uri="{BB962C8B-B14F-4D97-AF65-F5344CB8AC3E}">
-        <p14:creationId xmlns:p14="http://schemas.microsoft.com/office/powerpoint/2010/main" val="3914210520"/>
+        <p14:creationId xmlns:p14="http://schemas.microsoft.com/office/powerpoint/2010/main" val="624333189"/>
       </p:ext>
     </p:extLst>
   </p:cSld>
@@ -10546,249 +10668,108 @@
       </p:grpSpPr>
       <p:sp>
         <p:nvSpPr>
-          <p:cNvPr id="3" name="Content Placeholder 2"/>
+          <p:cNvPr id="2" name="Title 1"/>
           <p:cNvSpPr>
             <a:spLocks noGrp="1"/>
           </p:cNvSpPr>
           <p:nvPr>
-            <p:ph idx="1"/>
+            <p:ph type="title"/>
           </p:nvPr>
         </p:nvSpPr>
         <p:spPr>
           <a:xfrm>
-            <a:off x="279400" y="0"/>
-            <a:ext cx="11758611" cy="6858000"/>
+            <a:off x="292100" y="228600"/>
+            <a:ext cx="11544299" cy="1478570"/>
           </a:xfrm>
         </p:spPr>
         <p:txBody>
           <a:bodyPr>
-            <a:normAutofit fontScale="70000" lnSpcReduction="20000"/>
+            <a:normAutofit/>
           </a:bodyPr>
           <a:lstStyle/>
           <a:p>
+            <a:r>
+              <a:rPr lang="en-US" sz="3200" dirty="0"/>
+              <a:t>Using the report-</a:t>
+            </a:r>
+            <a:r>
+              <a:rPr lang="en-US" sz="3200" dirty="0" err="1"/>
+              <a:t>uri</a:t>
+            </a:r>
+            <a:r>
+              <a:rPr lang="en-US" sz="3200" dirty="0"/>
+              <a:t> directive to collect policy violations</a:t>
+            </a:r>
+          </a:p>
+        </p:txBody>
+      </p:sp>
+      <p:sp>
+        <p:nvSpPr>
+          <p:cNvPr id="3" name="Content Placeholder 2"/>
+          <p:cNvSpPr>
+            <a:spLocks noGrp="1"/>
+          </p:cNvSpPr>
+          <p:nvPr>
+            <p:ph idx="1"/>
+          </p:nvPr>
+        </p:nvSpPr>
+        <p:spPr>
+          <a:xfrm>
+            <a:off x="292100" y="1707170"/>
+            <a:ext cx="11544299" cy="4846030"/>
+          </a:xfrm>
+        </p:spPr>
+        <p:txBody>
+          <a:bodyPr>
+            <a:noAutofit/>
+          </a:bodyPr>
+          <a:lstStyle/>
+          <a:p>
             <a:pPr marL="0" indent="0">
               <a:buNone/>
             </a:pPr>
             <a:r>
-              <a:rPr lang="en-US" sz="3400" dirty="0"/>
-              <a:t>Consider the following policy:</a:t>
+              <a:rPr lang="en-US" sz="2800" dirty="0"/>
+              <a:t>The report-</a:t>
+            </a:r>
+            <a:r>
+              <a:rPr lang="en-US" sz="2800" dirty="0" err="1"/>
+              <a:t>uri</a:t>
+            </a:r>
+            <a:r>
+              <a:rPr lang="en-US" sz="2800" dirty="0"/>
+              <a:t> directive is extremely useful for collecting information on report violations. There may be resources that we missed or an attacker actively trying to exploit an XSS attack vector. Aside from logged violations in the console, without policy violation reporting, we are left in the dark as to which directives may be being violated.</a:t>
             </a:r>
           </a:p>
           <a:p>
             <a:pPr marL="0" indent="0">
               <a:buNone/>
             </a:pPr>
-            <a:r>
-              <a:rPr lang="en-US" sz="3400" dirty="0"/>
-              <a:t>Content-Security-Policy: default-</a:t>
-            </a:r>
-            <a:r>
-              <a:rPr lang="en-US" sz="3400" dirty="0" err="1"/>
-              <a:t>src</a:t>
-            </a:r>
-            <a:r>
-              <a:rPr lang="en-US" sz="3400" dirty="0"/>
-              <a:t> https: 'self'; report-</a:t>
-            </a:r>
-            <a:r>
-              <a:rPr lang="en-US" sz="3400" dirty="0" err="1"/>
+            <a:endParaRPr lang="en-US" sz="2800" dirty="0"/>
+          </a:p>
+          <a:p>
+            <a:pPr marL="0" indent="0">
+              <a:buNone/>
+            </a:pPr>
+            <a:r>
+              <a:rPr lang="en-US" sz="2800" dirty="0"/>
+              <a:t>The report-</a:t>
+            </a:r>
+            <a:r>
+              <a:rPr lang="en-US" sz="2800" dirty="0" err="1"/>
               <a:t>uri</a:t>
             </a:r>
             <a:r>
-              <a:rPr lang="en-US" sz="3400" dirty="0"/>
-              <a:t> https://cspreport.mydomain.com;</a:t>
-            </a:r>
-          </a:p>
-          <a:p>
-            <a:pPr marL="0" indent="0">
-              <a:buNone/>
-            </a:pPr>
-            <a:endParaRPr lang="en-US" sz="3400" dirty="0"/>
-          </a:p>
-          <a:p>
-            <a:pPr marL="0" indent="0">
-              <a:buNone/>
-            </a:pPr>
-            <a:r>
-              <a:rPr lang="en-US" sz="3400" dirty="0"/>
-              <a:t>Let's say that on a page at https://mydomain.com/index.html that is subject to this policy we have the following </a:t>
-            </a:r>
-            <a:r>
-              <a:rPr lang="en-US" sz="3400" dirty="0" err="1"/>
-              <a:t>img</a:t>
-            </a:r>
-            <a:r>
-              <a:rPr lang="en-US" sz="3400" dirty="0"/>
-              <a:t> tag: &lt;</a:t>
-            </a:r>
-            <a:r>
-              <a:rPr lang="en-US" sz="3400" dirty="0" err="1"/>
-              <a:t>img</a:t>
-            </a:r>
-            <a:r>
-              <a:rPr lang="en-US" sz="3400" dirty="0"/>
-              <a:t> </a:t>
-            </a:r>
-            <a:r>
-              <a:rPr lang="en-US" sz="3400" dirty="0" err="1"/>
-              <a:t>src</a:t>
-            </a:r>
-            <a:r>
-              <a:rPr lang="en-US" sz="3400" dirty="0"/>
-              <a:t>="http://mydomain.com/favicon.ico" /&gt;.</a:t>
-            </a:r>
-          </a:p>
-          <a:p>
-            <a:pPr marL="0" indent="0">
-              <a:buNone/>
-            </a:pPr>
-            <a:endParaRPr lang="en-US" dirty="0"/>
-          </a:p>
-          <a:p>
-            <a:pPr marL="0" indent="0">
-              <a:buNone/>
-            </a:pPr>
-            <a:r>
-              <a:rPr lang="en-US" sz="3400" dirty="0"/>
-              <a:t>Upon detecting that this resource is in violation of the policy, the browser will POST a JSON formatted report similar to this:</a:t>
-            </a:r>
-          </a:p>
-          <a:p>
-            <a:pPr marL="0" indent="0">
-              <a:buNone/>
-            </a:pPr>
-            <a:r>
-              <a:rPr lang="en-US" sz="3400" dirty="0"/>
-              <a:t>{</a:t>
-            </a:r>
-          </a:p>
-          <a:p>
-            <a:pPr marL="0" indent="0">
-              <a:buNone/>
-            </a:pPr>
-            <a:r>
-              <a:rPr lang="en-US" sz="3400" dirty="0"/>
-              <a:t>    "</a:t>
-            </a:r>
-            <a:r>
-              <a:rPr lang="en-US" sz="3400" dirty="0" err="1"/>
-              <a:t>csp</a:t>
-            </a:r>
-            <a:r>
-              <a:rPr lang="en-US" sz="3400" dirty="0"/>
-              <a:t>-report": {</a:t>
-            </a:r>
-          </a:p>
-          <a:p>
-            <a:pPr marL="0" indent="0">
-              <a:buNone/>
-            </a:pPr>
-            <a:r>
-              <a:rPr lang="en-US" sz="3400" dirty="0"/>
-              <a:t>        "document-</a:t>
-            </a:r>
-            <a:r>
-              <a:rPr lang="en-US" sz="3400" dirty="0" err="1"/>
-              <a:t>uri</a:t>
-            </a:r>
-            <a:r>
-              <a:rPr lang="en-US" sz="3400" dirty="0"/>
-              <a:t>": "https://mydomain.com/index.html",</a:t>
-            </a:r>
-          </a:p>
-          <a:p>
-            <a:pPr marL="0" indent="0">
-              <a:buNone/>
-            </a:pPr>
-            <a:r>
-              <a:rPr lang="en-US" sz="3400" dirty="0"/>
-              <a:t>        "referrer": "",</a:t>
-            </a:r>
-          </a:p>
-          <a:p>
-            <a:pPr marL="0" indent="0">
-              <a:buNone/>
-            </a:pPr>
-            <a:r>
-              <a:rPr lang="en-US" sz="3400" dirty="0"/>
-              <a:t>        "blocked-</a:t>
-            </a:r>
-            <a:r>
-              <a:rPr lang="en-US" sz="3400" dirty="0" err="1"/>
-              <a:t>uri</a:t>
-            </a:r>
-            <a:r>
-              <a:rPr lang="en-US" sz="3400" dirty="0"/>
-              <a:t>": "http://mydomain.com/favicon.ico",</a:t>
-            </a:r>
-          </a:p>
-          <a:p>
-            <a:pPr marL="0" indent="0">
-              <a:buNone/>
-            </a:pPr>
-            <a:r>
-              <a:rPr lang="en-US" sz="3400" dirty="0"/>
-              <a:t>        "violated-directive": "default-</a:t>
-            </a:r>
-            <a:r>
-              <a:rPr lang="en-US" sz="3400" dirty="0" err="1"/>
-              <a:t>src</a:t>
-            </a:r>
-            <a:r>
-              <a:rPr lang="en-US" sz="3400" dirty="0"/>
-              <a:t> https: 'self'",</a:t>
-            </a:r>
-          </a:p>
-          <a:p>
-            <a:pPr marL="0" indent="0">
-              <a:buNone/>
-            </a:pPr>
-            <a:r>
-              <a:rPr lang="en-US" sz="3400" dirty="0"/>
-              <a:t>        "original-policy": "default-</a:t>
-            </a:r>
-            <a:r>
-              <a:rPr lang="en-US" sz="3400" dirty="0" err="1"/>
-              <a:t>src</a:t>
-            </a:r>
-            <a:r>
-              <a:rPr lang="en-US" sz="3400" dirty="0"/>
-              <a:t> https: 'self'; report-</a:t>
-            </a:r>
-            <a:r>
-              <a:rPr lang="en-US" sz="3400" dirty="0" err="1"/>
-              <a:t>uri</a:t>
-            </a:r>
-            <a:r>
-              <a:rPr lang="en-US" sz="3400" dirty="0"/>
-              <a:t> https://cspreport.mydomain.com;"</a:t>
-            </a:r>
-          </a:p>
-          <a:p>
-            <a:pPr marL="0" indent="0">
-              <a:buNone/>
-            </a:pPr>
-            <a:r>
-              <a:rPr lang="en-US" sz="3400" dirty="0"/>
-              <a:t>    }</a:t>
-            </a:r>
-          </a:p>
-          <a:p>
-            <a:pPr marL="0" indent="0">
-              <a:buNone/>
-            </a:pPr>
-            <a:r>
-              <a:rPr lang="en-US" sz="3400" dirty="0"/>
-              <a:t>}</a:t>
-            </a:r>
-            <a:endParaRPr lang="en-US" sz="3400" dirty="0"/>
+              <a:rPr lang="en-US" sz="2800" dirty="0"/>
+              <a:t> directive is used to specify a URL to which the browser should POST a JSON formatted violation report in the event that it acts on the CSP.</a:t>
+            </a:r>
           </a:p>
         </p:txBody>
       </p:sp>
     </p:spTree>
     <p:extLst>
       <p:ext uri="{BB962C8B-B14F-4D97-AF65-F5344CB8AC3E}">
-        <p14:creationId xmlns:p14="http://schemas.microsoft.com/office/powerpoint/2010/main" val="3737550484"/>
+        <p14:creationId xmlns:p14="http://schemas.microsoft.com/office/powerpoint/2010/main" val="3914210520"/>
       </p:ext>
     </p:extLst>
   </p:cSld>
@@ -10827,6 +10808,276 @@
         </p:nvSpPr>
         <p:spPr>
           <a:xfrm>
+            <a:off x="279400" y="0"/>
+            <a:ext cx="11758611" cy="6858000"/>
+          </a:xfrm>
+        </p:spPr>
+        <p:txBody>
+          <a:bodyPr>
+            <a:normAutofit fontScale="70000" lnSpcReduction="20000"/>
+          </a:bodyPr>
+          <a:lstStyle/>
+          <a:p>
+            <a:pPr marL="0" indent="0">
+              <a:buNone/>
+            </a:pPr>
+            <a:r>
+              <a:rPr lang="en-US" sz="3400" dirty="0"/>
+              <a:t>Consider the following policy:</a:t>
+            </a:r>
+          </a:p>
+          <a:p>
+            <a:pPr marL="0" indent="0">
+              <a:buNone/>
+            </a:pPr>
+            <a:r>
+              <a:rPr lang="en-US" sz="3400" dirty="0"/>
+              <a:t>Content-Security-Policy: default-</a:t>
+            </a:r>
+            <a:r>
+              <a:rPr lang="en-US" sz="3400" dirty="0" err="1"/>
+              <a:t>src</a:t>
+            </a:r>
+            <a:r>
+              <a:rPr lang="en-US" sz="3400" dirty="0"/>
+              <a:t> https: 'self'; report-</a:t>
+            </a:r>
+            <a:r>
+              <a:rPr lang="en-US" sz="3400" dirty="0" err="1"/>
+              <a:t>uri</a:t>
+            </a:r>
+            <a:r>
+              <a:rPr lang="en-US" sz="3400" dirty="0"/>
+              <a:t> https://cspreport.mydomain.com;</a:t>
+            </a:r>
+          </a:p>
+          <a:p>
+            <a:pPr marL="0" indent="0">
+              <a:buNone/>
+            </a:pPr>
+            <a:endParaRPr lang="en-US" sz="3400" dirty="0"/>
+          </a:p>
+          <a:p>
+            <a:pPr marL="0" indent="0">
+              <a:buNone/>
+            </a:pPr>
+            <a:r>
+              <a:rPr lang="en-US" sz="3400" dirty="0"/>
+              <a:t>Let's say that on a page at https://mydomain.com/index.html that is subject to this policy we have the following </a:t>
+            </a:r>
+            <a:r>
+              <a:rPr lang="en-US" sz="3400" dirty="0" err="1"/>
+              <a:t>img</a:t>
+            </a:r>
+            <a:r>
+              <a:rPr lang="en-US" sz="3400" dirty="0"/>
+              <a:t> tag: &lt;</a:t>
+            </a:r>
+            <a:r>
+              <a:rPr lang="en-US" sz="3400" dirty="0" err="1"/>
+              <a:t>img</a:t>
+            </a:r>
+            <a:r>
+              <a:rPr lang="en-US" sz="3400" dirty="0"/>
+              <a:t> </a:t>
+            </a:r>
+            <a:r>
+              <a:rPr lang="en-US" sz="3400" dirty="0" err="1"/>
+              <a:t>src</a:t>
+            </a:r>
+            <a:r>
+              <a:rPr lang="en-US" sz="3400" dirty="0"/>
+              <a:t>="http://mydomain.com/favicon.ico" /&gt;.</a:t>
+            </a:r>
+          </a:p>
+          <a:p>
+            <a:pPr marL="0" indent="0">
+              <a:buNone/>
+            </a:pPr>
+            <a:endParaRPr lang="en-US" dirty="0"/>
+          </a:p>
+          <a:p>
+            <a:pPr marL="0" indent="0">
+              <a:buNone/>
+            </a:pPr>
+            <a:r>
+              <a:rPr lang="en-US" sz="3400" dirty="0"/>
+              <a:t>Upon detecting that this resource is in violation of the policy, the browser will POST a JSON formatted report similar to this:</a:t>
+            </a:r>
+          </a:p>
+          <a:p>
+            <a:pPr marL="0" indent="0">
+              <a:buNone/>
+            </a:pPr>
+            <a:r>
+              <a:rPr lang="en-US" sz="3400" dirty="0"/>
+              <a:t>{</a:t>
+            </a:r>
+          </a:p>
+          <a:p>
+            <a:pPr marL="0" indent="0">
+              <a:buNone/>
+            </a:pPr>
+            <a:r>
+              <a:rPr lang="en-US" sz="3400" dirty="0"/>
+              <a:t>    "</a:t>
+            </a:r>
+            <a:r>
+              <a:rPr lang="en-US" sz="3400" dirty="0" err="1"/>
+              <a:t>csp</a:t>
+            </a:r>
+            <a:r>
+              <a:rPr lang="en-US" sz="3400" dirty="0"/>
+              <a:t>-report": {</a:t>
+            </a:r>
+          </a:p>
+          <a:p>
+            <a:pPr marL="0" indent="0">
+              <a:buNone/>
+            </a:pPr>
+            <a:r>
+              <a:rPr lang="en-US" sz="3400" dirty="0"/>
+              <a:t>        "document-</a:t>
+            </a:r>
+            <a:r>
+              <a:rPr lang="en-US" sz="3400" dirty="0" err="1"/>
+              <a:t>uri</a:t>
+            </a:r>
+            <a:r>
+              <a:rPr lang="en-US" sz="3400" dirty="0"/>
+              <a:t>": "https://mydomain.com/index.html",</a:t>
+            </a:r>
+          </a:p>
+          <a:p>
+            <a:pPr marL="0" indent="0">
+              <a:buNone/>
+            </a:pPr>
+            <a:r>
+              <a:rPr lang="en-US" sz="3400" dirty="0"/>
+              <a:t>        "referrer": "",</a:t>
+            </a:r>
+          </a:p>
+          <a:p>
+            <a:pPr marL="0" indent="0">
+              <a:buNone/>
+            </a:pPr>
+            <a:r>
+              <a:rPr lang="en-US" sz="3400" dirty="0"/>
+              <a:t>        "blocked-</a:t>
+            </a:r>
+            <a:r>
+              <a:rPr lang="en-US" sz="3400" dirty="0" err="1"/>
+              <a:t>uri</a:t>
+            </a:r>
+            <a:r>
+              <a:rPr lang="en-US" sz="3400" dirty="0"/>
+              <a:t>": "http://mydomain.com/favicon.ico",</a:t>
+            </a:r>
+          </a:p>
+          <a:p>
+            <a:pPr marL="0" indent="0">
+              <a:buNone/>
+            </a:pPr>
+            <a:r>
+              <a:rPr lang="en-US" sz="3400" dirty="0"/>
+              <a:t>        "violated-directive": "default-</a:t>
+            </a:r>
+            <a:r>
+              <a:rPr lang="en-US" sz="3400" dirty="0" err="1"/>
+              <a:t>src</a:t>
+            </a:r>
+            <a:r>
+              <a:rPr lang="en-US" sz="3400" dirty="0"/>
+              <a:t> https: 'self'",</a:t>
+            </a:r>
+          </a:p>
+          <a:p>
+            <a:pPr marL="0" indent="0">
+              <a:buNone/>
+            </a:pPr>
+            <a:r>
+              <a:rPr lang="en-US" sz="3400" dirty="0"/>
+              <a:t>        "original-policy": "default-</a:t>
+            </a:r>
+            <a:r>
+              <a:rPr lang="en-US" sz="3400" dirty="0" err="1"/>
+              <a:t>src</a:t>
+            </a:r>
+            <a:r>
+              <a:rPr lang="en-US" sz="3400" dirty="0"/>
+              <a:t> https: 'self'; report-</a:t>
+            </a:r>
+            <a:r>
+              <a:rPr lang="en-US" sz="3400" dirty="0" err="1"/>
+              <a:t>uri</a:t>
+            </a:r>
+            <a:r>
+              <a:rPr lang="en-US" sz="3400" dirty="0"/>
+              <a:t> https://cspreport.mydomain.com;"</a:t>
+            </a:r>
+          </a:p>
+          <a:p>
+            <a:pPr marL="0" indent="0">
+              <a:buNone/>
+            </a:pPr>
+            <a:r>
+              <a:rPr lang="en-US" sz="3400" dirty="0"/>
+              <a:t>    }</a:t>
+            </a:r>
+          </a:p>
+          <a:p>
+            <a:pPr marL="0" indent="0">
+              <a:buNone/>
+            </a:pPr>
+            <a:r>
+              <a:rPr lang="en-US" sz="3400" dirty="0"/>
+              <a:t>}</a:t>
+            </a:r>
+          </a:p>
+        </p:txBody>
+      </p:sp>
+    </p:spTree>
+    <p:extLst>
+      <p:ext uri="{BB962C8B-B14F-4D97-AF65-F5344CB8AC3E}">
+        <p14:creationId xmlns:p14="http://schemas.microsoft.com/office/powerpoint/2010/main" val="3737550484"/>
+      </p:ext>
+    </p:extLst>
+  </p:cSld>
+  <p:clrMapOvr>
+    <a:masterClrMapping/>
+  </p:clrMapOvr>
+</p:sld>
+</file>
+
+<file path=ppt/slides/slide24.xml><?xml version="1.0" encoding="utf-8"?>
+<p:sld xmlns:a="http://schemas.openxmlformats.org/drawingml/2006/main" xmlns:r="http://schemas.openxmlformats.org/officeDocument/2006/relationships" xmlns:p="http://schemas.openxmlformats.org/presentationml/2006/main">
+  <p:cSld>
+    <p:spTree>
+      <p:nvGrpSpPr>
+        <p:cNvPr id="1" name=""/>
+        <p:cNvGrpSpPr/>
+        <p:nvPr/>
+      </p:nvGrpSpPr>
+      <p:grpSpPr>
+        <a:xfrm>
+          <a:off x="0" y="0"/>
+          <a:ext cx="0" cy="0"/>
+          <a:chOff x="0" y="0"/>
+          <a:chExt cx="0" cy="0"/>
+        </a:xfrm>
+      </p:grpSpPr>
+      <p:sp>
+        <p:nvSpPr>
+          <p:cNvPr id="3" name="Content Placeholder 2"/>
+          <p:cNvSpPr>
+            <a:spLocks noGrp="1"/>
+          </p:cNvSpPr>
+          <p:nvPr>
+            <p:ph idx="1"/>
+          </p:nvPr>
+        </p:nvSpPr>
+        <p:spPr>
+          <a:xfrm>
             <a:off x="927101" y="698501"/>
             <a:ext cx="10487026" cy="5473700"/>
           </a:xfrm>
@@ -10844,7 +11095,6 @@
               <a:rPr lang="en-US" sz="3200" dirty="0"/>
               <a:t>The endpoint at https://cspreport.mydomain.com should capture this data and log it for later use. You can then use the data to identify the pages and resources which are most frequently violating the policies (high traffic) and address them first, then move on to violations that are seeing less traffic.</a:t>
             </a:r>
-            <a:endParaRPr lang="en-US" sz="3200" dirty="0"/>
           </a:p>
         </p:txBody>
       </p:sp>
@@ -10861,7 +11111,7 @@
 </p:sld>
 </file>
 
-<file path=ppt/slides/slide24.xml><?xml version="1.0" encoding="utf-8"?>
+<file path=ppt/slides/slide25.xml><?xml version="1.0" encoding="utf-8"?>
 <p:sld xmlns:a="http://schemas.openxmlformats.org/drawingml/2006/main" xmlns:r="http://schemas.openxmlformats.org/officeDocument/2006/relationships" xmlns:p="http://schemas.openxmlformats.org/presentationml/2006/main">
   <p:cSld>
     <p:spTree>
@@ -12529,7 +12779,7 @@
 </p:sld>
 </file>
 
-<file path=ppt/slides/slide25.xml><?xml version="1.0" encoding="utf-8"?>
+<file path=ppt/slides/slide26.xml><?xml version="1.0" encoding="utf-8"?>
 <p:sld xmlns:a="http://schemas.openxmlformats.org/drawingml/2006/main" xmlns:r="http://schemas.openxmlformats.org/officeDocument/2006/relationships" xmlns:p="http://schemas.openxmlformats.org/presentationml/2006/main">
   <p:cSld>
     <p:spTree>
@@ -12559,6 +12809,164 @@
         <p:spPr>
           <a:xfrm>
             <a:off x="685801" y="609600"/>
+            <a:ext cx="10131425" cy="834887"/>
+          </a:xfrm>
+        </p:spPr>
+        <p:txBody>
+          <a:bodyPr/>
+          <a:lstStyle/>
+          <a:p>
+            <a:r>
+              <a:rPr lang="en-US" dirty="0"/>
+              <a:t>Summary</a:t>
+            </a:r>
+          </a:p>
+        </p:txBody>
+      </p:sp>
+      <p:sp>
+        <p:nvSpPr>
+          <p:cNvPr id="3" name="Content Placeholder 2"/>
+          <p:cNvSpPr>
+            <a:spLocks noGrp="1"/>
+          </p:cNvSpPr>
+          <p:nvPr>
+            <p:ph idx="1"/>
+          </p:nvPr>
+        </p:nvSpPr>
+        <p:spPr>
+          <a:xfrm>
+            <a:off x="685801" y="1444487"/>
+            <a:ext cx="10131425" cy="5075583"/>
+          </a:xfrm>
+        </p:spPr>
+        <p:txBody>
+          <a:bodyPr/>
+          <a:lstStyle/>
+          <a:p>
+            <a:r>
+              <a:rPr lang="en-US" sz="2000" dirty="0"/>
+              <a:t>A Content Security Policy is an extremely flexible defense mechanism for defending against XSS attacks</a:t>
+            </a:r>
+          </a:p>
+          <a:p>
+            <a:r>
+              <a:rPr lang="en-US" sz="2000" dirty="0"/>
+              <a:t>CSPs allow us to instruct browsers on which web resources are trusted, allowing them to block other (potentially unsafe) resources</a:t>
+            </a:r>
+          </a:p>
+          <a:p>
+            <a:r>
+              <a:rPr lang="en-US" sz="2000" dirty="0"/>
+              <a:t>CSPs can be defined in an HTTP response header or in a &lt;meta&gt; tag in the document head</a:t>
+            </a:r>
+          </a:p>
+          <a:p>
+            <a:r>
+              <a:rPr lang="en-US" sz="2000" dirty="0"/>
+              <a:t>Inline JS and CSS are considered unsafe</a:t>
+            </a:r>
+          </a:p>
+          <a:p>
+            <a:r>
+              <a:rPr lang="en-US" sz="2000" dirty="0"/>
+              <a:t>Use of </a:t>
+            </a:r>
+            <a:r>
+              <a:rPr lang="en-US" sz="2000" dirty="0" err="1"/>
+              <a:t>eval</a:t>
+            </a:r>
+            <a:r>
+              <a:rPr lang="en-US" sz="2000" dirty="0"/>
+              <a:t>(), new Function(string), </a:t>
+            </a:r>
+            <a:r>
+              <a:rPr lang="en-US" sz="2000" dirty="0" err="1"/>
+              <a:t>setTimeout</a:t>
+            </a:r>
+            <a:r>
+              <a:rPr lang="en-US" sz="2000" dirty="0"/>
+              <a:t>(string), and similar methods are also unsafe</a:t>
+            </a:r>
+          </a:p>
+          <a:p>
+            <a:r>
+              <a:rPr lang="en-US" sz="2000" dirty="0"/>
+              <a:t>CSPs have keywords, such as ‘self’, that give us a shorter syntax and allow us to more safely include inline code with the use of hashes and/or </a:t>
+            </a:r>
+            <a:r>
+              <a:rPr lang="en-US" sz="2000" dirty="0" err="1"/>
+              <a:t>nonces</a:t>
+            </a:r>
+            <a:endParaRPr lang="en-US" sz="2000" dirty="0"/>
+          </a:p>
+          <a:p>
+            <a:r>
+              <a:rPr lang="en-US" sz="2000" dirty="0"/>
+              <a:t>The Content-Security-Policy-Report-Only header allows us to report on CSP violations without actually blocking content</a:t>
+            </a:r>
+          </a:p>
+          <a:p>
+            <a:r>
+              <a:rPr lang="en-US" sz="2000" dirty="0"/>
+              <a:t>The report-</a:t>
+            </a:r>
+            <a:r>
+              <a:rPr lang="en-US" sz="2000" dirty="0" err="1"/>
+              <a:t>uri</a:t>
+            </a:r>
+            <a:r>
+              <a:rPr lang="en-US" sz="2000" dirty="0"/>
+              <a:t> directive is extremely useful for aggregating policy violations and allowing us to address the highest traffic issues first</a:t>
+            </a:r>
+          </a:p>
+          <a:p>
+            <a:endParaRPr lang="en-US" dirty="0"/>
+          </a:p>
+        </p:txBody>
+      </p:sp>
+    </p:spTree>
+    <p:extLst>
+      <p:ext uri="{BB962C8B-B14F-4D97-AF65-F5344CB8AC3E}">
+        <p14:creationId xmlns:p14="http://schemas.microsoft.com/office/powerpoint/2010/main" val="3411032890"/>
+      </p:ext>
+    </p:extLst>
+  </p:cSld>
+  <p:clrMapOvr>
+    <a:masterClrMapping/>
+  </p:clrMapOvr>
+</p:sld>
+</file>
+
+<file path=ppt/slides/slide27.xml><?xml version="1.0" encoding="utf-8"?>
+<p:sld xmlns:a="http://schemas.openxmlformats.org/drawingml/2006/main" xmlns:r="http://schemas.openxmlformats.org/officeDocument/2006/relationships" xmlns:p="http://schemas.openxmlformats.org/presentationml/2006/main">
+  <p:cSld>
+    <p:spTree>
+      <p:nvGrpSpPr>
+        <p:cNvPr id="1" name=""/>
+        <p:cNvGrpSpPr/>
+        <p:nvPr/>
+      </p:nvGrpSpPr>
+      <p:grpSpPr>
+        <a:xfrm>
+          <a:off x="0" y="0"/>
+          <a:ext cx="0" cy="0"/>
+          <a:chOff x="0" y="0"/>
+          <a:chExt cx="0" cy="0"/>
+        </a:xfrm>
+      </p:grpSpPr>
+      <p:sp>
+        <p:nvSpPr>
+          <p:cNvPr id="2" name="Title 1"/>
+          <p:cNvSpPr>
+            <a:spLocks noGrp="1"/>
+          </p:cNvSpPr>
+          <p:nvPr>
+            <p:ph type="title"/>
+          </p:nvPr>
+        </p:nvSpPr>
+        <p:spPr>
+          <a:xfrm>
+            <a:off x="685801" y="609600"/>
             <a:ext cx="10131425" cy="4978400"/>
           </a:xfrm>
         </p:spPr>
@@ -12589,7 +12997,7 @@
 </p:sld>
 </file>
 
-<file path=ppt/slides/slide26.xml><?xml version="1.0" encoding="utf-8"?>
+<file path=ppt/slides/slide28.xml><?xml version="1.0" encoding="utf-8"?>
 <p:sld xmlns:a="http://schemas.openxmlformats.org/drawingml/2006/main" xmlns:r="http://schemas.openxmlformats.org/officeDocument/2006/relationships" xmlns:p="http://schemas.openxmlformats.org/presentationml/2006/main">
   <p:cSld>
     <p:spTree>
@@ -12680,7 +13088,7 @@
 </p:sld>
 </file>
 
-<file path=ppt/slides/slide27.xml><?xml version="1.0" encoding="utf-8"?>
+<file path=ppt/slides/slide29.xml><?xml version="1.0" encoding="utf-8"?>
 <p:sld xmlns:a="http://schemas.openxmlformats.org/drawingml/2006/main" xmlns:r="http://schemas.openxmlformats.org/officeDocument/2006/relationships" xmlns:p="http://schemas.openxmlformats.org/presentationml/2006/main">
   <p:cSld>
     <p:spTree>

--- a/powerpoint/content-security-policy.pptx
+++ b/powerpoint/content-security-policy.pptx
@@ -10520,7 +10520,6 @@
               <a:rPr lang="en-US" dirty="0"/>
               <a:t> 'unsafe-inline' assets-cdn.github.com</a:t>
             </a:r>
-            <a:endParaRPr lang="en-US" dirty="0"/>
           </a:p>
         </p:txBody>
       </p:sp>
